--- a/RxJS.pptx
+++ b/RxJS.pptx
@@ -33,6 +33,8 @@
     <p:sldId id="279" r:id="rId27"/>
     <p:sldId id="280" r:id="rId28"/>
     <p:sldId id="281" r:id="rId29"/>
+    <p:sldId id="285" r:id="rId30"/>
+    <p:sldId id="284" r:id="rId31"/>
   </p:sldIdLst>
   <p:sldSz cx="12192000" cy="6858000"/>
   <p:notesSz cx="6858000" cy="9144000"/>
@@ -309,7 +311,7 @@
             <a:fld id="{87DE6118-2437-4B30-8E3C-4D2BE6020583}" type="datetimeFigureOut">
               <a:rPr lang="en-US" dirty="0"/>
               <a:pPr/>
-              <a:t>3/17/2017</a:t>
+              <a:t>3/23/2017</a:t>
             </a:fld>
             <a:endParaRPr lang="en-US" dirty="0"/>
           </a:p>
@@ -635,7 +637,7 @@
           <a:p>
             <a:fld id="{87DE6118-2437-4B30-8E3C-4D2BE6020583}" type="datetimeFigureOut">
               <a:rPr lang="en-US" dirty="0"/>
-              <a:t>3/17/2017</a:t>
+              <a:t>3/23/2017</a:t>
             </a:fld>
             <a:endParaRPr lang="en-US" dirty="0"/>
           </a:p>
@@ -810,7 +812,7 @@
           <a:p>
             <a:fld id="{87DE6118-2437-4B30-8E3C-4D2BE6020583}" type="datetimeFigureOut">
               <a:rPr lang="en-US" dirty="0"/>
-              <a:t>3/17/2017</a:t>
+              <a:t>3/23/2017</a:t>
             </a:fld>
             <a:endParaRPr lang="en-US" dirty="0"/>
           </a:p>
@@ -975,7 +977,7 @@
           <a:p>
             <a:fld id="{87DE6118-2437-4B30-8E3C-4D2BE6020583}" type="datetimeFigureOut">
               <a:rPr lang="en-US" dirty="0"/>
-              <a:t>3/17/2017</a:t>
+              <a:t>3/23/2017</a:t>
             </a:fld>
             <a:endParaRPr lang="en-US" dirty="0"/>
           </a:p>
@@ -1248,7 +1250,7 @@
             <a:fld id="{87DE6118-2437-4B30-8E3C-4D2BE6020583}" type="datetimeFigureOut">
               <a:rPr lang="en-US" dirty="0"/>
               <a:pPr/>
-              <a:t>3/17/2017</a:t>
+              <a:t>3/23/2017</a:t>
             </a:fld>
             <a:endParaRPr lang="en-US" dirty="0"/>
           </a:p>
@@ -1638,7 +1640,7 @@
           <a:p>
             <a:fld id="{87DE6118-2437-4B30-8E3C-4D2BE6020583}" type="datetimeFigureOut">
               <a:rPr lang="en-US" dirty="0"/>
-              <a:t>3/17/2017</a:t>
+              <a:t>3/23/2017</a:t>
             </a:fld>
             <a:endParaRPr lang="en-US" dirty="0"/>
           </a:p>
@@ -2110,7 +2112,7 @@
           <a:p>
             <a:fld id="{87DE6118-2437-4B30-8E3C-4D2BE6020583}" type="datetimeFigureOut">
               <a:rPr lang="en-US" dirty="0"/>
-              <a:t>3/17/2017</a:t>
+              <a:t>3/23/2017</a:t>
             </a:fld>
             <a:endParaRPr lang="en-US" dirty="0"/>
           </a:p>
@@ -2223,7 +2225,7 @@
           <a:p>
             <a:fld id="{87DE6118-2437-4B30-8E3C-4D2BE6020583}" type="datetimeFigureOut">
               <a:rPr lang="en-US" dirty="0"/>
-              <a:t>3/17/2017</a:t>
+              <a:t>3/23/2017</a:t>
             </a:fld>
             <a:endParaRPr lang="en-US" dirty="0"/>
           </a:p>
@@ -2313,7 +2315,7 @@
           <a:p>
             <a:fld id="{87DE6118-2437-4B30-8E3C-4D2BE6020583}" type="datetimeFigureOut">
               <a:rPr lang="en-US" dirty="0"/>
-              <a:t>3/17/2017</a:t>
+              <a:t>3/23/2017</a:t>
             </a:fld>
             <a:endParaRPr lang="en-US" dirty="0"/>
           </a:p>
@@ -2655,7 +2657,7 @@
             <a:fld id="{87DE6118-2437-4B30-8E3C-4D2BE6020583}" type="datetimeFigureOut">
               <a:rPr lang="en-US" dirty="0"/>
               <a:pPr/>
-              <a:t>3/17/2017</a:t>
+              <a:t>3/23/2017</a:t>
             </a:fld>
             <a:endParaRPr lang="en-US" dirty="0"/>
           </a:p>
@@ -3040,7 +3042,7 @@
             <a:fld id="{87DE6118-2437-4B30-8E3C-4D2BE6020583}" type="datetimeFigureOut">
               <a:rPr lang="en-US" dirty="0"/>
               <a:pPr/>
-              <a:t>3/17/2017</a:t>
+              <a:t>3/23/2017</a:t>
             </a:fld>
             <a:endParaRPr lang="en-US" dirty="0"/>
           </a:p>
@@ -3315,7 +3317,7 @@
             <a:fld id="{87DE6118-2437-4B30-8E3C-4D2BE6020583}" type="datetimeFigureOut">
               <a:rPr lang="en-US" dirty="0"/>
               <a:pPr/>
-              <a:t>3/17/2017</a:t>
+              <a:t>3/23/2017</a:t>
             </a:fld>
             <a:endParaRPr lang="en-US" dirty="0"/>
           </a:p>
@@ -9146,6 +9148,81 @@
 </p:sld>
 </file>
 
+<file path=ppt/slides/slide29.xml><?xml version="1.0" encoding="utf-8"?>
+<p:sld xmlns:a="http://schemas.openxmlformats.org/drawingml/2006/main" xmlns:r="http://schemas.openxmlformats.org/officeDocument/2006/relationships" xmlns:p="http://schemas.openxmlformats.org/presentationml/2006/main">
+  <p:cSld>
+    <p:spTree>
+      <p:nvGrpSpPr>
+        <p:cNvPr id="1" name=""/>
+        <p:cNvGrpSpPr/>
+        <p:nvPr/>
+      </p:nvGrpSpPr>
+      <p:grpSpPr>
+        <a:xfrm>
+          <a:off x="0" y="0"/>
+          <a:ext cx="0" cy="0"/>
+          <a:chOff x="0" y="0"/>
+          <a:chExt cx="0" cy="0"/>
+        </a:xfrm>
+      </p:grpSpPr>
+      <p:sp>
+        <p:nvSpPr>
+          <p:cNvPr id="2" name="Title 1"/>
+          <p:cNvSpPr>
+            <a:spLocks noGrp="1"/>
+          </p:cNvSpPr>
+          <p:nvPr>
+            <p:ph type="title"/>
+          </p:nvPr>
+        </p:nvSpPr>
+        <p:spPr/>
+        <p:txBody>
+          <a:bodyPr/>
+          <a:lstStyle/>
+          <a:p>
+            <a:r>
+              <a:rPr lang="en-US" dirty="0" smtClean="0"/>
+              <a:t>Review Code &amp; Example</a:t>
+            </a:r>
+            <a:endParaRPr lang="en-US" dirty="0"/>
+          </a:p>
+        </p:txBody>
+      </p:sp>
+      <p:sp>
+        <p:nvSpPr>
+          <p:cNvPr id="3" name="Content Placeholder 2"/>
+          <p:cNvSpPr>
+            <a:spLocks noGrp="1"/>
+          </p:cNvSpPr>
+          <p:nvPr>
+            <p:ph idx="1"/>
+          </p:nvPr>
+        </p:nvSpPr>
+        <p:spPr/>
+        <p:txBody>
+          <a:bodyPr/>
+          <a:lstStyle/>
+          <a:p>
+            <a:r>
+              <a:rPr lang="en-US" dirty="0"/>
+              <a:t>https://github.com/icerealm/RxJS-Training</a:t>
+            </a:r>
+          </a:p>
+        </p:txBody>
+      </p:sp>
+    </p:spTree>
+    <p:extLst>
+      <p:ext uri="{BB962C8B-B14F-4D97-AF65-F5344CB8AC3E}">
+        <p14:creationId xmlns:p14="http://schemas.microsoft.com/office/powerpoint/2010/main" val="1932270856"/>
+      </p:ext>
+    </p:extLst>
+  </p:cSld>
+  <p:clrMapOvr>
+    <a:masterClrMapping/>
+  </p:clrMapOvr>
+</p:sld>
+</file>
+
 <file path=ppt/slides/slide3.xml><?xml version="1.0" encoding="utf-8"?>
 <p:sld xmlns:a="http://schemas.openxmlformats.org/drawingml/2006/main" xmlns:r="http://schemas.openxmlformats.org/officeDocument/2006/relationships" xmlns:p="http://schemas.openxmlformats.org/presentationml/2006/main">
   <p:cSld>
@@ -9358,6 +9435,167 @@
     <p:extLst>
       <p:ext uri="{BB962C8B-B14F-4D97-AF65-F5344CB8AC3E}">
         <p14:creationId xmlns:p14="http://schemas.microsoft.com/office/powerpoint/2010/main" val="3966356924"/>
+      </p:ext>
+    </p:extLst>
+  </p:cSld>
+  <p:clrMapOvr>
+    <a:masterClrMapping/>
+  </p:clrMapOvr>
+</p:sld>
+</file>
+
+<file path=ppt/slides/slide30.xml><?xml version="1.0" encoding="utf-8"?>
+<p:sld xmlns:a="http://schemas.openxmlformats.org/drawingml/2006/main" xmlns:r="http://schemas.openxmlformats.org/officeDocument/2006/relationships" xmlns:p="http://schemas.openxmlformats.org/presentationml/2006/main">
+  <p:cSld>
+    <p:spTree>
+      <p:nvGrpSpPr>
+        <p:cNvPr id="1" name=""/>
+        <p:cNvGrpSpPr/>
+        <p:nvPr/>
+      </p:nvGrpSpPr>
+      <p:grpSpPr>
+        <a:xfrm>
+          <a:off x="0" y="0"/>
+          <a:ext cx="0" cy="0"/>
+          <a:chOff x="0" y="0"/>
+          <a:chExt cx="0" cy="0"/>
+        </a:xfrm>
+      </p:grpSpPr>
+      <p:sp>
+        <p:nvSpPr>
+          <p:cNvPr id="2" name="Title 1"/>
+          <p:cNvSpPr>
+            <a:spLocks noGrp="1"/>
+          </p:cNvSpPr>
+          <p:nvPr>
+            <p:ph type="title"/>
+          </p:nvPr>
+        </p:nvSpPr>
+        <p:spPr/>
+        <p:txBody>
+          <a:bodyPr/>
+          <a:lstStyle/>
+          <a:p>
+            <a:r>
+              <a:rPr lang="en-US" dirty="0" smtClean="0"/>
+              <a:t>References</a:t>
+            </a:r>
+            <a:endParaRPr lang="en-US" dirty="0"/>
+          </a:p>
+        </p:txBody>
+      </p:sp>
+      <p:sp>
+        <p:nvSpPr>
+          <p:cNvPr id="3" name="Content Placeholder 2"/>
+          <p:cNvSpPr>
+            <a:spLocks noGrp="1"/>
+          </p:cNvSpPr>
+          <p:nvPr>
+            <p:ph idx="1"/>
+          </p:nvPr>
+        </p:nvSpPr>
+        <p:spPr/>
+        <p:txBody>
+          <a:bodyPr/>
+          <a:lstStyle/>
+          <a:p>
+            <a:r>
+              <a:rPr lang="en-US" dirty="0" smtClean="0"/>
+              <a:t>Reactive Programming with </a:t>
+            </a:r>
+            <a:r>
+              <a:rPr lang="en-US" dirty="0" err="1" smtClean="0"/>
+              <a:t>RxJs</a:t>
+            </a:r>
+            <a:r>
+              <a:rPr lang="en-US" dirty="0" smtClean="0"/>
+              <a:t> </a:t>
+            </a:r>
+          </a:p>
+          <a:p>
+            <a:pPr lvl="1"/>
+            <a:r>
+              <a:rPr lang="en-US" dirty="0" smtClean="0"/>
+              <a:t>Author: </a:t>
+            </a:r>
+            <a:r>
+              <a:rPr lang="en-US" dirty="0" err="1" smtClean="0"/>
+              <a:t>Sergi</a:t>
+            </a:r>
+            <a:r>
+              <a:rPr lang="en-US" dirty="0" smtClean="0"/>
+              <a:t> </a:t>
+            </a:r>
+            <a:r>
+              <a:rPr lang="en-US" dirty="0" err="1" smtClean="0"/>
+              <a:t>Mansilla</a:t>
+            </a:r>
+            <a:endParaRPr lang="en-US" dirty="0" smtClean="0"/>
+          </a:p>
+          <a:p>
+            <a:r>
+              <a:rPr lang="en-US" dirty="0" smtClean="0"/>
+              <a:t>Reactive Programming with </a:t>
+            </a:r>
+            <a:r>
+              <a:rPr lang="en-US" dirty="0" err="1" smtClean="0"/>
+              <a:t>RxJava</a:t>
+            </a:r>
+            <a:endParaRPr lang="en-US" dirty="0"/>
+          </a:p>
+          <a:p>
+            <a:pPr lvl="1"/>
+            <a:r>
+              <a:rPr lang="en-US" dirty="0" err="1" smtClean="0"/>
+              <a:t>Authore</a:t>
+            </a:r>
+            <a:r>
+              <a:rPr lang="en-US" dirty="0" smtClean="0"/>
+              <a:t>: Tomasz </a:t>
+            </a:r>
+            <a:r>
+              <a:rPr lang="en-US" dirty="0" err="1" smtClean="0"/>
+              <a:t>Nurkiewicz</a:t>
+            </a:r>
+            <a:r>
+              <a:rPr lang="en-US" dirty="0" smtClean="0"/>
+              <a:t> and Ben Christensen</a:t>
+            </a:r>
+          </a:p>
+          <a:p>
+            <a:r>
+              <a:rPr lang="en-US" dirty="0">
+                <a:hlinkClick r:id="rId2"/>
+              </a:rPr>
+              <a:t>https://</a:t>
+            </a:r>
+            <a:r>
+              <a:rPr lang="en-US" dirty="0" smtClean="0">
+                <a:hlinkClick r:id="rId2"/>
+              </a:rPr>
+              <a:t>en.wikipedia.org/wiki/Reactive_programming</a:t>
+            </a:r>
+            <a:endParaRPr lang="en-US" dirty="0" smtClean="0"/>
+          </a:p>
+          <a:p>
+            <a:r>
+              <a:rPr lang="en-US" dirty="0"/>
+              <a:t>http://</a:t>
+            </a:r>
+            <a:r>
+              <a:rPr lang="en-US" dirty="0" smtClean="0"/>
+              <a:t>reactivex.io</a:t>
+            </a:r>
+          </a:p>
+          <a:p>
+            <a:endParaRPr lang="en-US" dirty="0"/>
+          </a:p>
+        </p:txBody>
+      </p:sp>
+    </p:spTree>
+    <p:extLst>
+      <p:ext uri="{BB962C8B-B14F-4D97-AF65-F5344CB8AC3E}">
+        <p14:creationId xmlns:p14="http://schemas.microsoft.com/office/powerpoint/2010/main" val="2134388857"/>
       </p:ext>
     </p:extLst>
   </p:cSld>
@@ -9434,21 +9672,7 @@
                 <a:latin typeface="Angsana New" panose="02020603050405020304" pitchFamily="18" charset="-34"/>
                 <a:cs typeface="Angsana New" panose="02020603050405020304" pitchFamily="18" charset="-34"/>
               </a:rPr>
-              <a:t>เป็น</a:t>
-            </a:r>
-            <a:r>
-              <a:rPr lang="th-TH" sz="2800" dirty="0" smtClean="0">
-                <a:latin typeface="Angsana New" panose="02020603050405020304" pitchFamily="18" charset="-34"/>
-                <a:cs typeface="Angsana New" panose="02020603050405020304" pitchFamily="18" charset="-34"/>
-              </a:rPr>
-              <a:t>หลักการที่</a:t>
-            </a:r>
-            <a:r>
-              <a:rPr lang="th-TH" sz="2800" dirty="0" smtClean="0">
-                <a:latin typeface="Angsana New" panose="02020603050405020304" pitchFamily="18" charset="-34"/>
-                <a:cs typeface="Angsana New" panose="02020603050405020304" pitchFamily="18" charset="-34"/>
-              </a:rPr>
-              <a:t>กล่าวถึงวิธีการออกแบบสำหรับระบบใหญ่ๆ ตอบสนองสูง มีการทำงานแบบกระจาย พวก</a:t>
+              <a:t>เป็นหลักการที่กล่าวถึงวิธีการออกแบบสำหรับระบบใหญ่ๆ ตอบสนองสูง มีการทำงานแบบกระจาย พวก</a:t>
             </a:r>
             <a:r>
               <a:rPr lang="en-US" sz="2800" dirty="0" smtClean="0">
